--- a/2024 - Resources/January - Web Discovery with Ffuf.pptx
+++ b/2024 - Resources/January - Web Discovery with Ffuf.pptx
@@ -35,7 +35,7 @@
       <p:boldItalic r:id="rId15"/>
     </p:embeddedFont>
     <p:embeddedFont>
-      <p:font typeface="Poppins Bold" panose="00000800000000000000" pitchFamily="2" charset="0"/>
+      <p:font typeface="Poppins Bold" panose="020B0604020202020204" charset="0"/>
       <p:regular r:id="rId16"/>
       <p:bold r:id="rId17"/>
     </p:embeddedFont>
@@ -285,7 +285,7 @@
           </a:lstStyle>
           <a:p>
             <a:fld id="{80D7985C-9E6F-4954-9CB6-00EDC155FD00}" type="datetimeFigureOut">
-              <a:t>1/14/2025</a:t>
+              <a:t>1/28/2025</a:t>
             </a:fld>
             <a:endParaRPr lang="en-US"/>
           </a:p>
@@ -645,7 +645,7 @@
             </a:r>
             <a:r>
               <a:rPr lang="en-US" dirty="0">
-                <a:hlinkClick r:id=""/>
+                <a:hlinkClick r:id="" action="ppaction://noaction"/>
               </a:rPr>
               <a:t>http://&lt;URL&gt;/FUZZ</a:t>
             </a:r>
@@ -959,7 +959,7 @@
             </a:r>
             <a:r>
               <a:rPr lang="en-US" dirty="0">
-                <a:hlinkClick r:id=""/>
+                <a:hlinkClick r:id="" action="ppaction://noaction"/>
               </a:rPr>
               <a:t>http://&lt;URL&gt;/</a:t>
             </a:r>
@@ -1435,7 +1435,7 @@
             <a:fld id="{1D8BD707-D9CF-40AE-B4C6-C98DA3205C09}" type="datetimeFigureOut">
               <a:rPr lang="en-US" smtClean="0"/>
               <a:pPr/>
-              <a:t>1/14/2025</a:t>
+              <a:t>1/28/2025</a:t>
             </a:fld>
             <a:endParaRPr lang="en-US"/>
           </a:p>
@@ -1600,7 +1600,7 @@
             <a:fld id="{1D8BD707-D9CF-40AE-B4C6-C98DA3205C09}" type="datetimeFigureOut">
               <a:rPr lang="en-US" smtClean="0"/>
               <a:pPr/>
-              <a:t>1/14/2025</a:t>
+              <a:t>1/28/2025</a:t>
             </a:fld>
             <a:endParaRPr lang="en-US"/>
           </a:p>
@@ -1775,7 +1775,7 @@
             <a:fld id="{1D8BD707-D9CF-40AE-B4C6-C98DA3205C09}" type="datetimeFigureOut">
               <a:rPr lang="en-US" smtClean="0"/>
               <a:pPr/>
-              <a:t>1/14/2025</a:t>
+              <a:t>1/28/2025</a:t>
             </a:fld>
             <a:endParaRPr lang="en-US"/>
           </a:p>
@@ -1940,7 +1940,7 @@
             <a:fld id="{1D8BD707-D9CF-40AE-B4C6-C98DA3205C09}" type="datetimeFigureOut">
               <a:rPr lang="en-US" smtClean="0"/>
               <a:pPr/>
-              <a:t>1/14/2025</a:t>
+              <a:t>1/28/2025</a:t>
             </a:fld>
             <a:endParaRPr lang="en-US"/>
           </a:p>
@@ -2182,7 +2182,7 @@
             <a:fld id="{1D8BD707-D9CF-40AE-B4C6-C98DA3205C09}" type="datetimeFigureOut">
               <a:rPr lang="en-US" smtClean="0"/>
               <a:pPr/>
-              <a:t>1/14/2025</a:t>
+              <a:t>1/28/2025</a:t>
             </a:fld>
             <a:endParaRPr lang="en-US"/>
           </a:p>
@@ -2464,7 +2464,7 @@
             <a:fld id="{1D8BD707-D9CF-40AE-B4C6-C98DA3205C09}" type="datetimeFigureOut">
               <a:rPr lang="en-US" smtClean="0"/>
               <a:pPr/>
-              <a:t>1/14/2025</a:t>
+              <a:t>1/28/2025</a:t>
             </a:fld>
             <a:endParaRPr lang="en-US"/>
           </a:p>
@@ -2880,7 +2880,7 @@
             <a:fld id="{1D8BD707-D9CF-40AE-B4C6-C98DA3205C09}" type="datetimeFigureOut">
               <a:rPr lang="en-US" smtClean="0"/>
               <a:pPr/>
-              <a:t>1/14/2025</a:t>
+              <a:t>1/28/2025</a:t>
             </a:fld>
             <a:endParaRPr lang="en-US"/>
           </a:p>
@@ -2994,7 +2994,7 @@
             <a:fld id="{1D8BD707-D9CF-40AE-B4C6-C98DA3205C09}" type="datetimeFigureOut">
               <a:rPr lang="en-US" smtClean="0"/>
               <a:pPr/>
-              <a:t>1/14/2025</a:t>
+              <a:t>1/28/2025</a:t>
             </a:fld>
             <a:endParaRPr lang="en-US"/>
           </a:p>
@@ -3086,7 +3086,7 @@
             <a:fld id="{1D8BD707-D9CF-40AE-B4C6-C98DA3205C09}" type="datetimeFigureOut">
               <a:rPr lang="en-US" smtClean="0"/>
               <a:pPr/>
-              <a:t>1/14/2025</a:t>
+              <a:t>1/28/2025</a:t>
             </a:fld>
             <a:endParaRPr lang="en-US"/>
           </a:p>
@@ -3358,7 +3358,7 @@
             <a:fld id="{1D8BD707-D9CF-40AE-B4C6-C98DA3205C09}" type="datetimeFigureOut">
               <a:rPr lang="en-US" smtClean="0"/>
               <a:pPr/>
-              <a:t>1/14/2025</a:t>
+              <a:t>1/28/2025</a:t>
             </a:fld>
             <a:endParaRPr lang="en-US"/>
           </a:p>
@@ -3607,7 +3607,7 @@
             <a:fld id="{1D8BD707-D9CF-40AE-B4C6-C98DA3205C09}" type="datetimeFigureOut">
               <a:rPr lang="en-US" smtClean="0"/>
               <a:pPr/>
-              <a:t>1/14/2025</a:t>
+              <a:t>1/28/2025</a:t>
             </a:fld>
             <a:endParaRPr lang="en-US"/>
           </a:p>
@@ -3815,7 +3815,7 @@
             <a:fld id="{1D8BD707-D9CF-40AE-B4C6-C98DA3205C09}" type="datetimeFigureOut">
               <a:rPr lang="en-US" smtClean="0"/>
               <a:pPr/>
-              <a:t>1/14/2025</a:t>
+              <a:t>1/28/2025</a:t>
             </a:fld>
             <a:endParaRPr lang="en-US"/>
           </a:p>
@@ -4860,7 +4860,7 @@
         <p:spPr>
           <a:xfrm>
             <a:off x="7184882" y="6801803"/>
-            <a:ext cx="3918236" cy="609600"/>
+            <a:ext cx="3918236" cy="564257"/>
           </a:xfrm>
           <a:prstGeom prst="rect">
             <a:avLst/>
@@ -4878,7 +4878,7 @@
               </a:lnSpc>
             </a:pPr>
             <a:r>
-              <a:rPr lang="en-US" sz="3699" b="1">
+              <a:rPr lang="en-US" sz="3699" b="1" dirty="0">
                 <a:solidFill>
                   <a:srgbClr val="FFFFFF"/>
                 </a:solidFill>
@@ -4887,7 +4887,7 @@
                 <a:cs typeface="Poppins Bold"/>
                 <a:sym typeface="Poppins Bold"/>
               </a:rPr>
-              <a:t>JANUARY 2024</a:t>
+              <a:t>JANUARY 2025</a:t>
             </a:r>
           </a:p>
         </p:txBody>
